--- a/ppt/RAG05-Retrieval.pptx
+++ b/ppt/RAG05-Retrieval.pptx
@@ -16,9 +16,9 @@
     <p:sldId id="282" r:id="rId4"/>
     <p:sldId id="283" r:id="rId5"/>
     <p:sldId id="285" r:id="rId6"/>
-    <p:sldId id="284" r:id="rId7"/>
-    <p:sldId id="286" r:id="rId8"/>
-    <p:sldId id="287" r:id="rId9"/>
+    <p:sldId id="286" r:id="rId7"/>
+    <p:sldId id="287" r:id="rId8"/>
+    <p:sldId id="288" r:id="rId9"/>
   </p:sldIdLst>
   <p:sldSz cx="9144000" cy="6858000" type="screen4x3"/>
   <p:notesSz cx="6648450" cy="9782175"/>
@@ -4243,13 +4243,75 @@
           <a:p>
             <a:r>
               <a:rPr lang="fr-FR" dirty="0"/>
+              <a:t>Les meilleurs vecteurs sont retournés</a:t>
+            </a:r>
+          </a:p>
+          <a:p>
+            <a:pPr lvl="1"/>
+            <a:r>
+              <a:rPr lang="fr-FR" dirty="0"/>
+              <a:t>Triés par score</a:t>
+            </a:r>
+          </a:p>
+          <a:p>
+            <a:pPr lvl="1"/>
+            <a:r>
+              <a:rPr lang="en-US" dirty="0" err="1"/>
+              <a:t>cosine_similarity</a:t>
+            </a:r>
+            <a:r>
+              <a:rPr lang="en-US" dirty="0"/>
+              <a:t>(</a:t>
+            </a:r>
+            <a:r>
+              <a:rPr lang="en-US" dirty="0" err="1"/>
+              <a:t>query_embedding</a:t>
+            </a:r>
+            <a:r>
+              <a:rPr lang="en-US" dirty="0"/>
+              <a:t>, </a:t>
+            </a:r>
+            <a:r>
+              <a:rPr lang="en-US" dirty="0" err="1"/>
+              <a:t>np.vstack</a:t>
+            </a:r>
+            <a:r>
+              <a:rPr lang="en-US" dirty="0"/>
+              <a:t>(embeddings))</a:t>
+            </a:r>
+            <a:endParaRPr lang="fr-FR" dirty="0"/>
+          </a:p>
+          <a:p>
+            <a:pPr lvl="1"/>
+            <a:r>
+              <a:rPr lang="fr-FR" dirty="0"/>
+              <a:t>Très rapide</a:t>
+            </a:r>
+          </a:p>
+          <a:p>
+            <a:r>
+              <a:rPr lang="fr-FR" dirty="0"/>
               <a:t>Gestion de la précision de la réponse</a:t>
             </a:r>
           </a:p>
           <a:p>
             <a:r>
               <a:rPr lang="fr-FR" dirty="0"/>
-              <a:t>Gestion du je ne sais pas</a:t>
+              <a:t>Meilleur gestion des hallucinations</a:t>
+            </a:r>
+          </a:p>
+          <a:p>
+            <a:pPr lvl="1"/>
+            <a:r>
+              <a:rPr lang="fr-FR" dirty="0"/>
+              <a:t>Si le meilleurs score est trop faible</a:t>
+            </a:r>
+          </a:p>
+          <a:p>
+            <a:pPr lvl="1"/>
+            <a:r>
+              <a:rPr lang="fr-FR" dirty="0"/>
+              <a:t>J ne sais pas !</a:t>
             </a:r>
           </a:p>
         </p:txBody>
@@ -4289,97 +4351,6 @@
           <p:cNvPr id="2" name="Titre 1">
             <a:extLst>
               <a:ext uri="{FF2B5EF4-FFF2-40B4-BE49-F238E27FC236}">
-                <a16:creationId xmlns:a16="http://schemas.microsoft.com/office/drawing/2014/main" id="{3FC66656-B135-75E3-EDB6-3314733638B6}"/>
-              </a:ext>
-            </a:extLst>
-          </p:cNvPr>
-          <p:cNvSpPr>
-            <a:spLocks noGrp="1"/>
-          </p:cNvSpPr>
-          <p:nvPr>
-            <p:ph type="title"/>
-          </p:nvPr>
-        </p:nvSpPr>
-        <p:spPr/>
-        <p:txBody>
-          <a:bodyPr/>
-          <a:lstStyle/>
-          <a:p>
-            <a:r>
-              <a:rPr lang="fr-FR" dirty="0"/>
-              <a:t>Augmentations des vecteurs</a:t>
-            </a:r>
-          </a:p>
-        </p:txBody>
-      </p:sp>
-      <p:sp>
-        <p:nvSpPr>
-          <p:cNvPr id="3" name="Espace réservé du contenu 2">
-            <a:extLst>
-              <a:ext uri="{FF2B5EF4-FFF2-40B4-BE49-F238E27FC236}">
-                <a16:creationId xmlns:a16="http://schemas.microsoft.com/office/drawing/2014/main" id="{4EBA93A0-9781-79EB-C05F-D642AC93DCB2}"/>
-              </a:ext>
-            </a:extLst>
-          </p:cNvPr>
-          <p:cNvSpPr>
-            <a:spLocks noGrp="1"/>
-          </p:cNvSpPr>
-          <p:nvPr>
-            <p:ph idx="1"/>
-          </p:nvPr>
-        </p:nvSpPr>
-        <p:spPr/>
-        <p:txBody>
-          <a:bodyPr/>
-          <a:lstStyle/>
-          <a:p>
-            <a:r>
-              <a:rPr lang="fr-FR" dirty="0"/>
-              <a:t>Avec nom des documents et </a:t>
-            </a:r>
-            <a:r>
-              <a:rPr lang="fr-FR" dirty="0" err="1"/>
-              <a:t>metadata</a:t>
-            </a:r>
-            <a:endParaRPr lang="fr-FR" dirty="0"/>
-          </a:p>
-        </p:txBody>
-      </p:sp>
-    </p:spTree>
-    <p:extLst>
-      <p:ext uri="{BB962C8B-B14F-4D97-AF65-F5344CB8AC3E}">
-        <p14:creationId xmlns:p14="http://schemas.microsoft.com/office/powerpoint/2010/main" val="3742637185"/>
-      </p:ext>
-    </p:extLst>
-  </p:cSld>
-  <p:clrMapOvr>
-    <a:masterClrMapping/>
-  </p:clrMapOvr>
-</p:sld>
-</file>
-
-<file path=ppt/slides/slide7.xml><?xml version="1.0" encoding="utf-8"?>
-<p:sld xmlns:a="http://schemas.openxmlformats.org/drawingml/2006/main" xmlns:r="http://schemas.openxmlformats.org/officeDocument/2006/relationships" xmlns:p="http://schemas.openxmlformats.org/presentationml/2006/main">
-  <p:cSld>
-    <p:spTree>
-      <p:nvGrpSpPr>
-        <p:cNvPr id="1" name=""/>
-        <p:cNvGrpSpPr/>
-        <p:nvPr/>
-      </p:nvGrpSpPr>
-      <p:grpSpPr>
-        <a:xfrm>
-          <a:off x="0" y="0"/>
-          <a:ext cx="0" cy="0"/>
-          <a:chOff x="0" y="0"/>
-          <a:chExt cx="0" cy="0"/>
-        </a:xfrm>
-      </p:grpSpPr>
-      <p:sp>
-        <p:nvSpPr>
-          <p:cNvPr id="2" name="Titre 1">
-            <a:extLst>
-              <a:ext uri="{FF2B5EF4-FFF2-40B4-BE49-F238E27FC236}">
                 <a16:creationId xmlns:a16="http://schemas.microsoft.com/office/drawing/2014/main" id="{EF6C4528-6434-5246-DFDF-4078515CC9B3}"/>
               </a:ext>
             </a:extLst>
@@ -4430,26 +4401,53 @@
           <a:p>
             <a:r>
               <a:rPr lang="fr-FR" dirty="0"/>
+              <a:t>Récupération des </a:t>
+            </a:r>
+            <a:r>
+              <a:rPr lang="fr-FR" dirty="0" err="1"/>
+              <a:t>métadata</a:t>
+            </a:r>
+            <a:endParaRPr lang="fr-FR" dirty="0"/>
+          </a:p>
+          <a:p>
+            <a:pPr lvl="1"/>
+            <a:r>
+              <a:rPr lang="fr-FR" dirty="0"/>
+              <a:t>Récupération du </a:t>
+            </a:r>
+            <a:r>
+              <a:rPr lang="fr-FR" dirty="0" err="1"/>
+              <a:t>chunk</a:t>
+            </a:r>
+            <a:endParaRPr lang="fr-FR" dirty="0"/>
+          </a:p>
+          <a:p>
+            <a:pPr lvl="1"/>
+            <a:r>
+              <a:rPr lang="fr-FR" dirty="0"/>
               <a:t>Pas de LLM</a:t>
             </a:r>
           </a:p>
           <a:p>
             <a:r>
+              <a:rPr lang="fr-FR" dirty="0"/>
+              <a:t>Cas d'utilisation</a:t>
+            </a:r>
+          </a:p>
+          <a:p>
+            <a:pPr lvl="1"/>
+            <a:r>
               <a:rPr lang="fr-FR" dirty="0" err="1"/>
-              <a:t>Metadata</a:t>
+              <a:t>Chatbot</a:t>
             </a:r>
             <a:endParaRPr lang="fr-FR" dirty="0"/>
           </a:p>
           <a:p>
+            <a:pPr lvl="1"/>
             <a:r>
               <a:rPr lang="fr-FR" dirty="0"/>
-              <a:t>Exemple </a:t>
-            </a:r>
-            <a:r>
-              <a:rPr lang="fr-FR"/>
-              <a:t>du Chat</a:t>
-            </a:r>
-            <a:endParaRPr lang="fr-FR" dirty="0"/>
+              <a:t>Moteur de recherche</a:t>
+            </a:r>
           </a:p>
         </p:txBody>
       </p:sp>
@@ -4466,7 +4464,7 @@
 </p:sld>
 </file>
 
-<file path=ppt/slides/slide8.xml><?xml version="1.0" encoding="utf-8"?>
+<file path=ppt/slides/slide7.xml><?xml version="1.0" encoding="utf-8"?>
 <p:sld xmlns:a="http://schemas.openxmlformats.org/drawingml/2006/main" xmlns:r="http://schemas.openxmlformats.org/officeDocument/2006/relationships" xmlns:p="http://schemas.openxmlformats.org/presentationml/2006/main">
   <p:cSld>
     <p:spTree>
@@ -4538,10 +4536,188 @@
           <a:p>
             <a:r>
               <a:rPr lang="fr-FR" dirty="0"/>
+              <a:t>Il est possible de retrouver les </a:t>
+            </a:r>
+            <a:r>
+              <a:rPr lang="fr-FR" dirty="0" err="1"/>
+              <a:t>chunks</a:t>
+            </a:r>
+            <a:r>
+              <a:rPr lang="fr-FR" dirty="0"/>
+              <a:t> et de les réinjecter dans le prompt du LLM</a:t>
+            </a:r>
+          </a:p>
+          <a:p>
+            <a:pPr lvl="1"/>
+            <a:r>
+              <a:rPr lang="fr-FR" dirty="0"/>
+              <a:t>Retour d'une réponse augmentée</a:t>
+            </a:r>
+          </a:p>
+          <a:p>
+            <a:pPr lvl="1"/>
+            <a:r>
+              <a:rPr lang="fr-FR" dirty="0"/>
+              <a:t>Dépendant du k de </a:t>
+            </a:r>
+            <a:r>
+              <a:rPr lang="fr-FR" dirty="0" err="1"/>
+              <a:t>kNN</a:t>
+            </a:r>
+            <a:endParaRPr lang="fr-FR" dirty="0"/>
+          </a:p>
+          <a:p>
+            <a:r>
+              <a:rPr lang="fr-FR" dirty="0"/>
+              <a:t>Combien prendre de k (</a:t>
+            </a:r>
+            <a:r>
+              <a:rPr lang="fr-FR" dirty="0" err="1"/>
+              <a:t>knn</a:t>
+            </a:r>
+            <a:r>
+              <a:rPr lang="fr-FR" dirty="0"/>
+              <a:t>)</a:t>
+            </a:r>
+          </a:p>
+        </p:txBody>
+      </p:sp>
+      <p:pic>
+        <p:nvPicPr>
+          <p:cNvPr id="7" name="Image 6">
+            <a:extLst>
+              <a:ext uri="{FF2B5EF4-FFF2-40B4-BE49-F238E27FC236}">
+                <a16:creationId xmlns:a16="http://schemas.microsoft.com/office/drawing/2014/main" id="{D790E74C-C14F-98D0-9501-2579DAEA168F}"/>
+              </a:ext>
+            </a:extLst>
+          </p:cNvPr>
+          <p:cNvPicPr>
+            <a:picLocks noChangeAspect="1"/>
+          </p:cNvPicPr>
+          <p:nvPr/>
+        </p:nvPicPr>
+        <p:blipFill>
+          <a:blip r:embed="rId2"/>
+          <a:stretch>
+            <a:fillRect/>
+          </a:stretch>
+        </p:blipFill>
+        <p:spPr>
+          <a:xfrm>
+            <a:off x="6876256" y="2842857"/>
+            <a:ext cx="1933845" cy="3610479"/>
+          </a:xfrm>
+          <a:prstGeom prst="rect">
+            <a:avLst/>
+          </a:prstGeom>
+        </p:spPr>
+      </p:pic>
+    </p:spTree>
+    <p:extLst>
+      <p:ext uri="{BB962C8B-B14F-4D97-AF65-F5344CB8AC3E}">
+        <p14:creationId xmlns:p14="http://schemas.microsoft.com/office/powerpoint/2010/main" val="3868285167"/>
+      </p:ext>
+    </p:extLst>
+  </p:cSld>
+  <p:clrMapOvr>
+    <a:masterClrMapping/>
+  </p:clrMapOvr>
+</p:sld>
+</file>
+
+<file path=ppt/slides/slide8.xml><?xml version="1.0" encoding="utf-8"?>
+<p:sld xmlns:a="http://schemas.openxmlformats.org/drawingml/2006/main" xmlns:r="http://schemas.openxmlformats.org/officeDocument/2006/relationships" xmlns:p="http://schemas.openxmlformats.org/presentationml/2006/main">
+  <p:cSld>
+    <p:spTree>
+      <p:nvGrpSpPr>
+        <p:cNvPr id="1" name=""/>
+        <p:cNvGrpSpPr/>
+        <p:nvPr/>
+      </p:nvGrpSpPr>
+      <p:grpSpPr>
+        <a:xfrm>
+          <a:off x="0" y="0"/>
+          <a:ext cx="0" cy="0"/>
+          <a:chOff x="0" y="0"/>
+          <a:chExt cx="0" cy="0"/>
+        </a:xfrm>
+      </p:grpSpPr>
+      <p:sp>
+        <p:nvSpPr>
+          <p:cNvPr id="2" name="Titre 1">
+            <a:extLst>
+              <a:ext uri="{FF2B5EF4-FFF2-40B4-BE49-F238E27FC236}">
+                <a16:creationId xmlns:a16="http://schemas.microsoft.com/office/drawing/2014/main" id="{992EFD8E-4F0C-FFFF-6162-D6838C8A6AB1}"/>
+              </a:ext>
+            </a:extLst>
+          </p:cNvPr>
+          <p:cNvSpPr>
+            <a:spLocks noGrp="1"/>
+          </p:cNvSpPr>
+          <p:nvPr>
+            <p:ph type="title"/>
+          </p:nvPr>
+        </p:nvSpPr>
+        <p:spPr/>
+        <p:txBody>
+          <a:bodyPr/>
+          <a:lstStyle/>
+          <a:p>
+            <a:r>
+              <a:rPr lang="fr-FR" dirty="0"/>
+              <a:t>Injection des </a:t>
+            </a:r>
+            <a:r>
+              <a:rPr lang="fr-FR" dirty="0" err="1"/>
+              <a:t>embeddings</a:t>
+            </a:r>
+            <a:endParaRPr lang="fr-FR" dirty="0"/>
+          </a:p>
+        </p:txBody>
+      </p:sp>
+      <p:sp>
+        <p:nvSpPr>
+          <p:cNvPr id="3" name="Espace réservé du contenu 2">
+            <a:extLst>
+              <a:ext uri="{FF2B5EF4-FFF2-40B4-BE49-F238E27FC236}">
+                <a16:creationId xmlns:a16="http://schemas.microsoft.com/office/drawing/2014/main" id="{6CD3A8AA-C390-0049-CA52-388642CBBD5C}"/>
+              </a:ext>
+            </a:extLst>
+          </p:cNvPr>
+          <p:cNvSpPr>
+            <a:spLocks noGrp="1"/>
+          </p:cNvSpPr>
+          <p:nvPr>
+            <p:ph idx="1"/>
+          </p:nvPr>
+        </p:nvSpPr>
+        <p:spPr/>
+        <p:txBody>
+          <a:bodyPr/>
+          <a:lstStyle/>
+          <a:p>
+            <a:r>
+              <a:rPr lang="fr-FR" dirty="0"/>
               <a:t>Les vecteurs sont bien plus légers que le document originel</a:t>
             </a:r>
           </a:p>
           <a:p>
+            <a:pPr lvl="1"/>
+            <a:r>
+              <a:rPr lang="fr-FR" dirty="0"/>
+              <a:t>Plutôt que de réinjecter les </a:t>
+            </a:r>
+            <a:r>
+              <a:rPr lang="fr-FR" dirty="0" err="1"/>
+              <a:t>chunks</a:t>
+            </a:r>
+            <a:r>
+              <a:rPr lang="fr-FR" dirty="0"/>
+              <a:t> dans le prompt il est possible de réinjecter directement les vecteurs</a:t>
+            </a:r>
+          </a:p>
+          <a:p>
+            <a:pPr lvl="1"/>
             <a:r>
               <a:rPr lang="fr-FR" dirty="0"/>
               <a:t>Nécessite d'être </a:t>
@@ -4568,25 +4744,26 @@
             <a:endParaRPr lang="fr-FR" dirty="0"/>
           </a:p>
           <a:p>
+            <a:pPr lvl="1"/>
             <a:r>
               <a:rPr lang="fr-FR" dirty="0"/>
-              <a:t>Combien prendre de k (</a:t>
-            </a:r>
-            <a:r>
-              <a:rPr lang="fr-FR" dirty="0" err="1"/>
-              <a:t>knn</a:t>
-            </a:r>
-            <a:r>
-              <a:rPr lang="fr-FR" dirty="0"/>
-              <a:t>)</a:t>
-            </a:r>
+              <a:t>Propriétaire à </a:t>
+            </a:r>
+            <a:r>
+              <a:rPr lang="fr-FR"/>
+              <a:t>chaque modèle</a:t>
+            </a:r>
+            <a:endParaRPr lang="fr-FR" dirty="0"/>
+          </a:p>
+          <a:p>
+            <a:endParaRPr lang="fr-FR" dirty="0"/>
           </a:p>
         </p:txBody>
       </p:sp>
     </p:spTree>
     <p:extLst>
       <p:ext uri="{BB962C8B-B14F-4D97-AF65-F5344CB8AC3E}">
-        <p14:creationId xmlns:p14="http://schemas.microsoft.com/office/powerpoint/2010/main" val="3868285167"/>
+        <p14:creationId xmlns:p14="http://schemas.microsoft.com/office/powerpoint/2010/main" val="1652826858"/>
       </p:ext>
     </p:extLst>
   </p:cSld>
